--- a/Final Deliverables/Documentation/Fertilizers Recommendation System.pptx
+++ b/Final Deliverables/Documentation/Fertilizers Recommendation System.pptx
@@ -10540,29 +10540,6 @@
       </p:sp>
       <p:sp>
         <p:nvSpPr>
-          <p:cNvPr id="4" name="Footer Placeholder 3"/>
-          <p:cNvSpPr>
-            <a:spLocks noGrp="1"/>
-          </p:cNvSpPr>
-          <p:nvPr>
-            <p:ph type="ftr" sz="quarter" idx="10"/>
-          </p:nvPr>
-        </p:nvSpPr>
-        <p:spPr/>
-        <p:txBody>
-          <a:bodyPr/>
-          <a:lstStyle/>
-          <a:p>
-            <a:r>
-              <a:rPr lang="en-US"/>
-              <a:t>Presentation title</a:t>
-            </a:r>
-            <a:endParaRPr lang="en-US" dirty="0"/>
-          </a:p>
-        </p:txBody>
-      </p:sp>
-      <p:sp>
-        <p:nvSpPr>
           <p:cNvPr id="5" name="Slide Number Placeholder 4"/>
           <p:cNvSpPr>
             <a:spLocks noGrp="1"/>
@@ -10940,29 +10917,6 @@
               <a:latin typeface="Calibri" panose="020F0502020204030204" pitchFamily="34" charset="0"/>
               <a:cs typeface="Calibri" panose="020F0502020204030204" pitchFamily="34" charset="0"/>
             </a:endParaRPr>
-          </a:p>
-        </p:txBody>
-      </p:sp>
-      <p:sp>
-        <p:nvSpPr>
-          <p:cNvPr id="4" name="Footer Placeholder 3"/>
-          <p:cNvSpPr>
-            <a:spLocks noGrp="1"/>
-          </p:cNvSpPr>
-          <p:nvPr>
-            <p:ph type="ftr" sz="quarter" idx="10"/>
-          </p:nvPr>
-        </p:nvSpPr>
-        <p:spPr/>
-        <p:txBody>
-          <a:bodyPr/>
-          <a:lstStyle/>
-          <a:p>
-            <a:r>
-              <a:rPr lang="en-US"/>
-              <a:t>Presentation title</a:t>
-            </a:r>
-            <a:endParaRPr lang="en-US" dirty="0"/>
           </a:p>
         </p:txBody>
       </p:sp>
